--- a/docs/lecture_slides/Week 6/Week6_Lecture10_Slides_2_12_2024.pptx
+++ b/docs/lecture_slides/Week 6/Week6_Lecture10_Slides_2_12_2024.pptx
@@ -272,7 +272,7 @@
           <a:p>
             <a:fld id="{16242ECF-4EC5-4F6F-92F2-C9C58BEB3FE8}" type="datetimeFigureOut">
               <a:rPr lang="en-US" smtClean="0"/>
-              <a:t>2/11/2024</a:t>
+              <a:t>2/12/2024</a:t>
             </a:fld>
             <a:endParaRPr lang="en-US"/>
           </a:p>
@@ -470,7 +470,7 @@
           <a:p>
             <a:fld id="{16242ECF-4EC5-4F6F-92F2-C9C58BEB3FE8}" type="datetimeFigureOut">
               <a:rPr lang="en-US" smtClean="0"/>
-              <a:t>2/11/2024</a:t>
+              <a:t>2/12/2024</a:t>
             </a:fld>
             <a:endParaRPr lang="en-US"/>
           </a:p>
@@ -678,7 +678,7 @@
           <a:p>
             <a:fld id="{16242ECF-4EC5-4F6F-92F2-C9C58BEB3FE8}" type="datetimeFigureOut">
               <a:rPr lang="en-US" smtClean="0"/>
-              <a:t>2/11/2024</a:t>
+              <a:t>2/12/2024</a:t>
             </a:fld>
             <a:endParaRPr lang="en-US"/>
           </a:p>
@@ -876,7 +876,7 @@
           <a:p>
             <a:fld id="{16242ECF-4EC5-4F6F-92F2-C9C58BEB3FE8}" type="datetimeFigureOut">
               <a:rPr lang="en-US" smtClean="0"/>
-              <a:t>2/11/2024</a:t>
+              <a:t>2/12/2024</a:t>
             </a:fld>
             <a:endParaRPr lang="en-US"/>
           </a:p>
@@ -1151,7 +1151,7 @@
           <a:p>
             <a:fld id="{16242ECF-4EC5-4F6F-92F2-C9C58BEB3FE8}" type="datetimeFigureOut">
               <a:rPr lang="en-US" smtClean="0"/>
-              <a:t>2/11/2024</a:t>
+              <a:t>2/12/2024</a:t>
             </a:fld>
             <a:endParaRPr lang="en-US"/>
           </a:p>
@@ -1416,7 +1416,7 @@
           <a:p>
             <a:fld id="{16242ECF-4EC5-4F6F-92F2-C9C58BEB3FE8}" type="datetimeFigureOut">
               <a:rPr lang="en-US" smtClean="0"/>
-              <a:t>2/11/2024</a:t>
+              <a:t>2/12/2024</a:t>
             </a:fld>
             <a:endParaRPr lang="en-US"/>
           </a:p>
@@ -1828,7 +1828,7 @@
           <a:p>
             <a:fld id="{16242ECF-4EC5-4F6F-92F2-C9C58BEB3FE8}" type="datetimeFigureOut">
               <a:rPr lang="en-US" smtClean="0"/>
-              <a:t>2/11/2024</a:t>
+              <a:t>2/12/2024</a:t>
             </a:fld>
             <a:endParaRPr lang="en-US"/>
           </a:p>
@@ -1969,7 +1969,7 @@
           <a:p>
             <a:fld id="{16242ECF-4EC5-4F6F-92F2-C9C58BEB3FE8}" type="datetimeFigureOut">
               <a:rPr lang="en-US" smtClean="0"/>
-              <a:t>2/11/2024</a:t>
+              <a:t>2/12/2024</a:t>
             </a:fld>
             <a:endParaRPr lang="en-US"/>
           </a:p>
@@ -2082,7 +2082,7 @@
           <a:p>
             <a:fld id="{16242ECF-4EC5-4F6F-92F2-C9C58BEB3FE8}" type="datetimeFigureOut">
               <a:rPr lang="en-US" smtClean="0"/>
-              <a:t>2/11/2024</a:t>
+              <a:t>2/12/2024</a:t>
             </a:fld>
             <a:endParaRPr lang="en-US"/>
           </a:p>
@@ -2393,7 +2393,7 @@
           <a:p>
             <a:fld id="{16242ECF-4EC5-4F6F-92F2-C9C58BEB3FE8}" type="datetimeFigureOut">
               <a:rPr lang="en-US" smtClean="0"/>
-              <a:t>2/11/2024</a:t>
+              <a:t>2/12/2024</a:t>
             </a:fld>
             <a:endParaRPr lang="en-US"/>
           </a:p>
@@ -2681,7 +2681,7 @@
           <a:p>
             <a:fld id="{16242ECF-4EC5-4F6F-92F2-C9C58BEB3FE8}" type="datetimeFigureOut">
               <a:rPr lang="en-US" smtClean="0"/>
-              <a:t>2/11/2024</a:t>
+              <a:t>2/12/2024</a:t>
             </a:fld>
             <a:endParaRPr lang="en-US"/>
           </a:p>
@@ -2922,7 +2922,7 @@
           <a:p>
             <a:fld id="{16242ECF-4EC5-4F6F-92F2-C9C58BEB3FE8}" type="datetimeFigureOut">
               <a:rPr lang="en-US" smtClean="0"/>
-              <a:t>2/11/2024</a:t>
+              <a:t>2/12/2024</a:t>
             </a:fld>
             <a:endParaRPr lang="en-US"/>
           </a:p>
@@ -4040,7 +4040,12 @@
             <p:ph type="title"/>
           </p:nvPr>
         </p:nvSpPr>
-        <p:spPr/>
+        <p:spPr>
+          <a:xfrm>
+            <a:off x="838200" y="365125"/>
+            <a:ext cx="10515600" cy="752475"/>
+          </a:xfrm>
+        </p:spPr>
         <p:txBody>
           <a:bodyPr/>
           <a:lstStyle/>
@@ -4068,12 +4073,126 @@
             <p:ph idx="1"/>
           </p:nvPr>
         </p:nvSpPr>
-        <p:spPr/>
+        <p:spPr>
+          <a:xfrm>
+            <a:off x="838200" y="1302327"/>
+            <a:ext cx="10515600" cy="4874636"/>
+          </a:xfrm>
+        </p:spPr>
         <p:txBody>
-          <a:bodyPr/>
+          <a:bodyPr>
+            <a:normAutofit fontScale="92500" lnSpcReduction="10000"/>
+          </a:bodyPr>
           <a:lstStyle/>
           <a:p>
-            <a:endParaRPr lang="en-US"/>
+            <a:pPr>
+              <a:buFont typeface="Wingdings" panose="05000000000000000000" pitchFamily="2" charset="2"/>
+              <a:buChar char="q"/>
+            </a:pPr>
+            <a:r>
+              <a:rPr lang="en-US" b="1" dirty="0"/>
+              <a:t> Lurking variables</a:t>
+            </a:r>
+          </a:p>
+          <a:p>
+            <a:pPr marL="0" indent="0">
+              <a:buNone/>
+            </a:pPr>
+            <a:endParaRPr lang="en-US" dirty="0"/>
+          </a:p>
+          <a:p>
+            <a:pPr>
+              <a:buFont typeface="Wingdings" panose="05000000000000000000" pitchFamily="2" charset="2"/>
+              <a:buChar char="q"/>
+            </a:pPr>
+            <a:r>
+              <a:rPr lang="en-US" dirty="0"/>
+              <a:t> Experimental designs:</a:t>
+            </a:r>
+          </a:p>
+          <a:p>
+            <a:pPr marL="457200" lvl="1" indent="0">
+              <a:buNone/>
+            </a:pPr>
+            <a:r>
+              <a:rPr lang="en-US" b="1" dirty="0"/>
+              <a:t>Completely randomized design</a:t>
+            </a:r>
+          </a:p>
+          <a:p>
+            <a:pPr marL="457200" lvl="1" indent="0">
+              <a:buNone/>
+            </a:pPr>
+            <a:endParaRPr lang="en-US" b="1" dirty="0"/>
+          </a:p>
+          <a:p>
+            <a:pPr marL="457200" lvl="1" indent="0">
+              <a:buNone/>
+            </a:pPr>
+            <a:r>
+              <a:rPr lang="en-US" b="1" dirty="0"/>
+              <a:t>Randomized block design</a:t>
+            </a:r>
+          </a:p>
+          <a:p>
+            <a:pPr marL="457200" lvl="1" indent="0">
+              <a:buNone/>
+            </a:pPr>
+            <a:endParaRPr lang="en-US" b="1" dirty="0"/>
+          </a:p>
+          <a:p>
+            <a:pPr marL="457200" lvl="1" indent="0">
+              <a:buNone/>
+            </a:pPr>
+            <a:r>
+              <a:rPr lang="en-US" b="1" dirty="0"/>
+              <a:t>Matched pairs design</a:t>
+            </a:r>
+          </a:p>
+          <a:p>
+            <a:pPr marL="457200" lvl="1" indent="0">
+              <a:buNone/>
+            </a:pPr>
+            <a:endParaRPr lang="en-US" b="1" dirty="0"/>
+          </a:p>
+          <a:p>
+            <a:pPr>
+              <a:buFont typeface="Wingdings" panose="05000000000000000000" pitchFamily="2" charset="2"/>
+              <a:buChar char="q"/>
+            </a:pPr>
+            <a:r>
+              <a:rPr lang="en-US" dirty="0"/>
+              <a:t> </a:t>
+            </a:r>
+            <a:r>
+              <a:rPr lang="en-US"/>
+              <a:t>Sampling designs:</a:t>
+            </a:r>
+            <a:endParaRPr lang="en-US" dirty="0"/>
+          </a:p>
+          <a:p>
+            <a:pPr marL="457200" lvl="1" indent="0">
+              <a:buNone/>
+            </a:pPr>
+            <a:r>
+              <a:rPr lang="en-US" b="1" dirty="0"/>
+              <a:t>Convenience sampling</a:t>
+            </a:r>
+          </a:p>
+          <a:p>
+            <a:pPr marL="457200" lvl="1" indent="0">
+              <a:buNone/>
+            </a:pPr>
+            <a:endParaRPr lang="en-US" b="1" dirty="0"/>
+          </a:p>
+          <a:p>
+            <a:pPr marL="457200" lvl="1" indent="0">
+              <a:buNone/>
+            </a:pPr>
+            <a:r>
+              <a:rPr lang="en-US" b="1" dirty="0"/>
+              <a:t>Simple random sampling </a:t>
+            </a:r>
           </a:p>
         </p:txBody>
       </p:sp>
@@ -4318,8 +4437,8 @@
           </a:p>
         </p:txBody>
       </p:sp>
-      <mc:AlternateContent xmlns:mc="http://schemas.openxmlformats.org/markup-compatibility/2006">
-        <mc:Choice xmlns:a14="http://schemas.microsoft.com/office/drawing/2010/main" Requires="a14">
+      <mc:AlternateContent xmlns:mc="http://schemas.openxmlformats.org/markup-compatibility/2006" xmlns:a14="http://schemas.microsoft.com/office/drawing/2010/main">
+        <mc:Choice Requires="a14">
           <p:sp>
             <p:nvSpPr>
               <p:cNvPr id="3" name="Content Placeholder 2">
@@ -4448,7 +4567,7 @@
             </p:txBody>
           </p:sp>
         </mc:Choice>
-        <mc:Fallback>
+        <mc:Fallback xmlns="">
           <p:sp>
             <p:nvSpPr>
               <p:cNvPr id="3" name="Content Placeholder 2">
@@ -11161,8 +11280,8 @@
           </a:p>
         </p:txBody>
       </p:sp>
-      <mc:AlternateContent xmlns:mc="http://schemas.openxmlformats.org/markup-compatibility/2006">
-        <mc:Choice xmlns:a14="http://schemas.microsoft.com/office/drawing/2010/main" Requires="a14">
+      <mc:AlternateContent xmlns:mc="http://schemas.openxmlformats.org/markup-compatibility/2006" xmlns:a14="http://schemas.microsoft.com/office/drawing/2010/main">
+        <mc:Choice Requires="a14">
           <p:sp>
             <p:nvSpPr>
               <p:cNvPr id="3" name="Content Placeholder 2">
@@ -11330,7 +11449,7 @@
             </p:txBody>
           </p:sp>
         </mc:Choice>
-        <mc:Fallback>
+        <mc:Fallback xmlns="">
           <p:sp>
             <p:nvSpPr>
               <p:cNvPr id="3" name="Content Placeholder 2">
